--- a/住在你裡面(崇拜版).pptx
+++ b/住在你裡面(崇拜版).pptx
@@ -11,7 +11,7 @@
     <p:sldId id="256" r:id="rId2"/>
     <p:sldId id="257" r:id="rId3"/>
   </p:sldIdLst>
-  <p:sldSz cx="9144000" cy="6858000" type="screen4x3"/>
+  <p:sldSz cx="12192000" cy="6858000"/>
   <p:notesSz cx="6858000" cy="9144000"/>
   <p:defaultTextStyle>
     <a:defPPr>
@@ -108,6 +108,22 @@
       </a:defRPr>
     </a:lvl9pPr>
   </p:defaultTextStyle>
+  <p:extLst>
+    <p:ext uri="{EFAFB233-063F-42B5-8137-9DF3F51BA10A}">
+      <p15:sldGuideLst xmlns:p15="http://schemas.microsoft.com/office/powerpoint/2012/main">
+        <p15:guide id="1" orient="horz" pos="2160" userDrawn="1">
+          <p15:clr>
+            <a:srgbClr val="A4A3A4"/>
+          </p15:clr>
+        </p15:guide>
+        <p15:guide id="2" pos="3840" userDrawn="1">
+          <p15:clr>
+            <a:srgbClr val="A4A3A4"/>
+          </p15:clr>
+        </p15:guide>
+      </p15:sldGuideLst>
+    </p:ext>
+  </p:extLst>
 </p:presentation>
 </file>
 
@@ -193,7 +209,7 @@
           <a:p>
             <a:fld id="{0F51A00E-5F07-4A1F-B809-F7653DCCFF52}" type="datetimeFigureOut">
               <a:rPr lang="zh-TW" altLang="en-US" smtClean="0"/>
-              <a:t>2018/8/25</a:t>
+              <a:t>2020/7/5</a:t>
             </a:fld>
             <a:endParaRPr lang="zh-TW" altLang="en-US"/>
           </a:p>
@@ -211,8 +227,8 @@
         </p:nvSpPr>
         <p:spPr>
           <a:xfrm>
-            <a:off x="1143000" y="685800"/>
-            <a:ext cx="4572000" cy="3429000"/>
+            <a:off x="381000" y="685800"/>
+            <a:ext cx="6096000" cy="3429000"/>
           </a:xfrm>
           <a:prstGeom prst="rect">
             <a:avLst/>
@@ -485,7 +501,12 @@
             <p:ph type="sldImg"/>
           </p:nvPr>
         </p:nvSpPr>
-        <p:spPr/>
+        <p:spPr>
+          <a:xfrm>
+            <a:off x="381000" y="685800"/>
+            <a:ext cx="6096000" cy="3429000"/>
+          </a:xfrm>
+        </p:spPr>
       </p:sp>
       <p:sp>
         <p:nvSpPr>
@@ -566,7 +587,12 @@
             <p:ph type="sldImg"/>
           </p:nvPr>
         </p:nvSpPr>
-        <p:spPr/>
+        <p:spPr>
+          <a:xfrm>
+            <a:off x="381000" y="685800"/>
+            <a:ext cx="6096000" cy="3429000"/>
+          </a:xfrm>
+        </p:spPr>
       </p:sp>
       <p:sp>
         <p:nvSpPr>
@@ -649,8 +675,8 @@
         </p:nvSpPr>
         <p:spPr>
           <a:xfrm>
-            <a:off x="685800" y="2130425"/>
-            <a:ext cx="7772400" cy="1470025"/>
+            <a:off x="914400" y="2130426"/>
+            <a:ext cx="10363200" cy="1470025"/>
           </a:xfrm>
         </p:spPr>
         <p:txBody>
@@ -677,8 +703,8 @@
         </p:nvSpPr>
         <p:spPr>
           <a:xfrm>
-            <a:off x="1371600" y="3886200"/>
-            <a:ext cx="6400800" cy="1752600"/>
+            <a:off x="1828800" y="3886200"/>
+            <a:ext cx="8534400" cy="1752600"/>
           </a:xfrm>
         </p:spPr>
         <p:txBody>
@@ -801,7 +827,7 @@
           <a:p>
             <a:fld id="{8CEF99E1-8971-47CE-9963-3B0E513A77C7}" type="datetimeFigureOut">
               <a:rPr lang="zh-TW" altLang="en-US" smtClean="0"/>
-              <a:t>2018/8/25</a:t>
+              <a:t>2020/7/5</a:t>
             </a:fld>
             <a:endParaRPr lang="zh-TW" altLang="en-US"/>
           </a:p>
@@ -966,7 +992,7 @@
           <a:p>
             <a:fld id="{8CEF99E1-8971-47CE-9963-3B0E513A77C7}" type="datetimeFigureOut">
               <a:rPr lang="zh-TW" altLang="en-US" smtClean="0"/>
-              <a:t>2018/8/25</a:t>
+              <a:t>2020/7/5</a:t>
             </a:fld>
             <a:endParaRPr lang="zh-TW" altLang="en-US"/>
           </a:p>
@@ -1051,8 +1077,8 @@
         </p:nvSpPr>
         <p:spPr>
           <a:xfrm>
-            <a:off x="6629400" y="274638"/>
-            <a:ext cx="2057400" cy="5851525"/>
+            <a:off x="8839200" y="274639"/>
+            <a:ext cx="2743200" cy="5851525"/>
           </a:xfrm>
         </p:spPr>
         <p:txBody>
@@ -1079,8 +1105,8 @@
         </p:nvSpPr>
         <p:spPr>
           <a:xfrm>
-            <a:off x="457200" y="274638"/>
-            <a:ext cx="6019800" cy="5851525"/>
+            <a:off x="609600" y="274639"/>
+            <a:ext cx="8026400" cy="5851525"/>
           </a:xfrm>
         </p:spPr>
         <p:txBody>
@@ -1141,7 +1167,7 @@
           <a:p>
             <a:fld id="{8CEF99E1-8971-47CE-9963-3B0E513A77C7}" type="datetimeFigureOut">
               <a:rPr lang="zh-TW" altLang="en-US" smtClean="0"/>
-              <a:t>2018/8/25</a:t>
+              <a:t>2020/7/5</a:t>
             </a:fld>
             <a:endParaRPr lang="zh-TW" altLang="en-US"/>
           </a:p>
@@ -1306,7 +1332,7 @@
           <a:p>
             <a:fld id="{8CEF99E1-8971-47CE-9963-3B0E513A77C7}" type="datetimeFigureOut">
               <a:rPr lang="zh-TW" altLang="en-US" smtClean="0"/>
-              <a:t>2018/8/25</a:t>
+              <a:t>2020/7/5</a:t>
             </a:fld>
             <a:endParaRPr lang="zh-TW" altLang="en-US"/>
           </a:p>
@@ -1391,8 +1417,8 @@
         </p:nvSpPr>
         <p:spPr>
           <a:xfrm>
-            <a:off x="722313" y="4406900"/>
-            <a:ext cx="7772400" cy="1362075"/>
+            <a:off x="963084" y="4406901"/>
+            <a:ext cx="10363200" cy="1362075"/>
           </a:xfrm>
         </p:spPr>
         <p:txBody>
@@ -1423,8 +1449,8 @@
         </p:nvSpPr>
         <p:spPr>
           <a:xfrm>
-            <a:off x="722313" y="2906713"/>
-            <a:ext cx="7772400" cy="1500187"/>
+            <a:off x="963084" y="2906713"/>
+            <a:ext cx="10363200" cy="1500187"/>
           </a:xfrm>
         </p:spPr>
         <p:txBody>
@@ -1547,7 +1573,7 @@
           <a:p>
             <a:fld id="{8CEF99E1-8971-47CE-9963-3B0E513A77C7}" type="datetimeFigureOut">
               <a:rPr lang="zh-TW" altLang="en-US" smtClean="0"/>
-              <a:t>2018/8/25</a:t>
+              <a:t>2020/7/5</a:t>
             </a:fld>
             <a:endParaRPr lang="zh-TW" altLang="en-US"/>
           </a:p>
@@ -1655,8 +1681,8 @@
         </p:nvSpPr>
         <p:spPr>
           <a:xfrm>
-            <a:off x="457200" y="1600200"/>
-            <a:ext cx="4038600" cy="4525963"/>
+            <a:off x="609600" y="1600201"/>
+            <a:ext cx="5384800" cy="4525963"/>
           </a:xfrm>
         </p:spPr>
         <p:txBody>
@@ -1740,8 +1766,8 @@
         </p:nvSpPr>
         <p:spPr>
           <a:xfrm>
-            <a:off x="4648200" y="1600200"/>
-            <a:ext cx="4038600" cy="4525963"/>
+            <a:off x="6197600" y="1600201"/>
+            <a:ext cx="5384800" cy="4525963"/>
           </a:xfrm>
         </p:spPr>
         <p:txBody>
@@ -1830,7 +1856,7 @@
           <a:p>
             <a:fld id="{8CEF99E1-8971-47CE-9963-3B0E513A77C7}" type="datetimeFigureOut">
               <a:rPr lang="zh-TW" altLang="en-US" smtClean="0"/>
-              <a:t>2018/8/25</a:t>
+              <a:t>2020/7/5</a:t>
             </a:fld>
             <a:endParaRPr lang="zh-TW" altLang="en-US"/>
           </a:p>
@@ -1942,8 +1968,8 @@
         </p:nvSpPr>
         <p:spPr>
           <a:xfrm>
-            <a:off x="457200" y="1535113"/>
-            <a:ext cx="4040188" cy="639762"/>
+            <a:off x="609600" y="1535113"/>
+            <a:ext cx="5386917" cy="639762"/>
           </a:xfrm>
         </p:spPr>
         <p:txBody>
@@ -2007,8 +2033,8 @@
         </p:nvSpPr>
         <p:spPr>
           <a:xfrm>
-            <a:off x="457200" y="2174875"/>
-            <a:ext cx="4040188" cy="3951288"/>
+            <a:off x="609600" y="2174875"/>
+            <a:ext cx="5386917" cy="3951288"/>
           </a:xfrm>
         </p:spPr>
         <p:txBody>
@@ -2092,8 +2118,8 @@
         </p:nvSpPr>
         <p:spPr>
           <a:xfrm>
-            <a:off x="4645025" y="1535113"/>
-            <a:ext cx="4041775" cy="639762"/>
+            <a:off x="6193368" y="1535113"/>
+            <a:ext cx="5389033" cy="639762"/>
           </a:xfrm>
         </p:spPr>
         <p:txBody>
@@ -2157,8 +2183,8 @@
         </p:nvSpPr>
         <p:spPr>
           <a:xfrm>
-            <a:off x="4645025" y="2174875"/>
-            <a:ext cx="4041775" cy="3951288"/>
+            <a:off x="6193368" y="2174875"/>
+            <a:ext cx="5389033" cy="3951288"/>
           </a:xfrm>
         </p:spPr>
         <p:txBody>
@@ -2247,7 +2273,7 @@
           <a:p>
             <a:fld id="{8CEF99E1-8971-47CE-9963-3B0E513A77C7}" type="datetimeFigureOut">
               <a:rPr lang="zh-TW" altLang="en-US" smtClean="0"/>
-              <a:t>2018/8/25</a:t>
+              <a:t>2020/7/5</a:t>
             </a:fld>
             <a:endParaRPr lang="zh-TW" altLang="en-US"/>
           </a:p>
@@ -2360,7 +2386,7 @@
           <a:p>
             <a:fld id="{8CEF99E1-8971-47CE-9963-3B0E513A77C7}" type="datetimeFigureOut">
               <a:rPr lang="zh-TW" altLang="en-US" smtClean="0"/>
-              <a:t>2018/8/25</a:t>
+              <a:t>2020/7/5</a:t>
             </a:fld>
             <a:endParaRPr lang="zh-TW" altLang="en-US"/>
           </a:p>
@@ -2450,7 +2476,7 @@
           <a:p>
             <a:fld id="{8CEF99E1-8971-47CE-9963-3B0E513A77C7}" type="datetimeFigureOut">
               <a:rPr lang="zh-TW" altLang="en-US" smtClean="0"/>
-              <a:t>2018/8/25</a:t>
+              <a:t>2020/7/5</a:t>
             </a:fld>
             <a:endParaRPr lang="zh-TW" altLang="en-US"/>
           </a:p>
@@ -2535,8 +2561,8 @@
         </p:nvSpPr>
         <p:spPr>
           <a:xfrm>
-            <a:off x="457200" y="273050"/>
-            <a:ext cx="3008313" cy="1162050"/>
+            <a:off x="609601" y="273050"/>
+            <a:ext cx="4011084" cy="1162050"/>
           </a:xfrm>
         </p:spPr>
         <p:txBody>
@@ -2567,8 +2593,8 @@
         </p:nvSpPr>
         <p:spPr>
           <a:xfrm>
-            <a:off x="3575050" y="273050"/>
-            <a:ext cx="5111750" cy="5853113"/>
+            <a:off x="4766733" y="273051"/>
+            <a:ext cx="6815667" cy="5853113"/>
           </a:xfrm>
         </p:spPr>
         <p:txBody>
@@ -2652,8 +2678,8 @@
         </p:nvSpPr>
         <p:spPr>
           <a:xfrm>
-            <a:off x="457200" y="1435100"/>
-            <a:ext cx="3008313" cy="4691063"/>
+            <a:off x="609601" y="1435101"/>
+            <a:ext cx="4011084" cy="4691063"/>
           </a:xfrm>
         </p:spPr>
         <p:txBody>
@@ -2722,7 +2748,7 @@
           <a:p>
             <a:fld id="{8CEF99E1-8971-47CE-9963-3B0E513A77C7}" type="datetimeFigureOut">
               <a:rPr lang="zh-TW" altLang="en-US" smtClean="0"/>
-              <a:t>2018/8/25</a:t>
+              <a:t>2020/7/5</a:t>
             </a:fld>
             <a:endParaRPr lang="zh-TW" altLang="en-US"/>
           </a:p>
@@ -2807,8 +2833,8 @@
         </p:nvSpPr>
         <p:spPr>
           <a:xfrm>
-            <a:off x="1792288" y="4800600"/>
-            <a:ext cx="5486400" cy="566738"/>
+            <a:off x="2389717" y="4800600"/>
+            <a:ext cx="7315200" cy="566738"/>
           </a:xfrm>
         </p:spPr>
         <p:txBody>
@@ -2839,8 +2865,8 @@
         </p:nvSpPr>
         <p:spPr>
           <a:xfrm>
-            <a:off x="1792288" y="612775"/>
-            <a:ext cx="5486400" cy="4114800"/>
+            <a:off x="2389717" y="612775"/>
+            <a:ext cx="7315200" cy="4114800"/>
           </a:xfrm>
         </p:spPr>
         <p:txBody>
@@ -2904,8 +2930,8 @@
         </p:nvSpPr>
         <p:spPr>
           <a:xfrm>
-            <a:off x="1792288" y="5367338"/>
-            <a:ext cx="5486400" cy="804862"/>
+            <a:off x="2389717" y="5367338"/>
+            <a:ext cx="7315200" cy="804862"/>
           </a:xfrm>
         </p:spPr>
         <p:txBody>
@@ -2974,7 +3000,7 @@
           <a:p>
             <a:fld id="{8CEF99E1-8971-47CE-9963-3B0E513A77C7}" type="datetimeFigureOut">
               <a:rPr lang="zh-TW" altLang="en-US" smtClean="0"/>
-              <a:t>2018/8/25</a:t>
+              <a:t>2020/7/5</a:t>
             </a:fld>
             <a:endParaRPr lang="zh-TW" altLang="en-US"/>
           </a:p>
@@ -3069,8 +3095,8 @@
         </p:nvSpPr>
         <p:spPr>
           <a:xfrm>
-            <a:off x="457200" y="274638"/>
-            <a:ext cx="8229600" cy="1143000"/>
+            <a:off x="609600" y="274638"/>
+            <a:ext cx="10972800" cy="1143000"/>
           </a:xfrm>
           <a:prstGeom prst="rect">
             <a:avLst/>
@@ -3102,8 +3128,8 @@
         </p:nvSpPr>
         <p:spPr>
           <a:xfrm>
-            <a:off x="457200" y="1600200"/>
-            <a:ext cx="8229600" cy="4525963"/>
+            <a:off x="609600" y="1600201"/>
+            <a:ext cx="10972800" cy="4525963"/>
           </a:xfrm>
           <a:prstGeom prst="rect">
             <a:avLst/>
@@ -3164,8 +3190,8 @@
         </p:nvSpPr>
         <p:spPr>
           <a:xfrm>
-            <a:off x="457200" y="6356350"/>
-            <a:ext cx="2133600" cy="365125"/>
+            <a:off x="609600" y="6356351"/>
+            <a:ext cx="2844800" cy="365125"/>
           </a:xfrm>
           <a:prstGeom prst="rect">
             <a:avLst/>
@@ -3187,7 +3213,7 @@
           <a:p>
             <a:fld id="{8CEF99E1-8971-47CE-9963-3B0E513A77C7}" type="datetimeFigureOut">
               <a:rPr lang="zh-TW" altLang="en-US" smtClean="0"/>
-              <a:t>2018/8/25</a:t>
+              <a:t>2020/7/5</a:t>
             </a:fld>
             <a:endParaRPr lang="zh-TW" altLang="en-US"/>
           </a:p>
@@ -3205,8 +3231,8 @@
         </p:nvSpPr>
         <p:spPr>
           <a:xfrm>
-            <a:off x="3124200" y="6356350"/>
-            <a:ext cx="2895600" cy="365125"/>
+            <a:off x="4165600" y="6356351"/>
+            <a:ext cx="3860800" cy="365125"/>
           </a:xfrm>
           <a:prstGeom prst="rect">
             <a:avLst/>
@@ -3242,8 +3268,8 @@
         </p:nvSpPr>
         <p:spPr>
           <a:xfrm>
-            <a:off x="6553200" y="6356350"/>
-            <a:ext cx="2133600" cy="365125"/>
+            <a:off x="8737600" y="6356351"/>
+            <a:ext cx="2844800" cy="365125"/>
           </a:xfrm>
           <a:prstGeom prst="rect">
             <a:avLst/>
@@ -3569,20 +3595,62 @@
         </p:nvSpPr>
         <p:spPr/>
         <p:txBody>
-          <a:bodyPr/>
-          <a:lstStyle/>
-          <a:p>
-            <a:r>
-              <a:rPr lang="zh-TW" altLang="en-US" b="1" dirty="0" smtClean="0">
+          <a:bodyPr>
+            <a:normAutofit/>
+          </a:bodyPr>
+          <a:lstStyle/>
+          <a:p>
+            <a:r>
+              <a:rPr lang="zh-TW" altLang="en-US" sz="4800" b="1" dirty="0" smtClean="0">
                 <a:solidFill>
                   <a:srgbClr val="000066"/>
                 </a:solidFill>
                 <a:latin typeface="微軟正黑體" pitchFamily="34" charset="-120"/>
                 <a:ea typeface="微軟正黑體" pitchFamily="34" charset="-120"/>
               </a:rPr>
-              <a:t>住在你裡面</a:t>
-            </a:r>
-            <a:endParaRPr lang="zh-TW" altLang="en-US" b="1" dirty="0">
+              <a:t>住</a:t>
+            </a:r>
+            <a:r>
+              <a:rPr lang="zh-TW" altLang="en-US" sz="4800" b="1" dirty="0" smtClean="0">
+                <a:solidFill>
+                  <a:srgbClr val="000066"/>
+                </a:solidFill>
+                <a:latin typeface="微軟正黑體" pitchFamily="34" charset="-120"/>
+                <a:ea typeface="微軟正黑體" pitchFamily="34" charset="-120"/>
+              </a:rPr>
+              <a:t>在</a:t>
+            </a:r>
+            <a:r>
+              <a:rPr lang="zh-CN" altLang="en-US" sz="4800" b="1" dirty="0" smtClean="0">
+                <a:solidFill>
+                  <a:srgbClr val="000066"/>
+                </a:solidFill>
+                <a:latin typeface="微軟正黑體" pitchFamily="34" charset="-120"/>
+                <a:ea typeface="微軟正黑體" pitchFamily="34" charset="-120"/>
+              </a:rPr>
+              <a:t>袮</a:t>
+            </a:r>
+            <a:r>
+              <a:rPr lang="zh-TW" altLang="en-US" sz="4800" b="1" dirty="0" smtClean="0">
+                <a:solidFill>
+                  <a:srgbClr val="000066"/>
+                </a:solidFill>
+                <a:latin typeface="微軟正黑體" pitchFamily="34" charset="-120"/>
+                <a:ea typeface="微軟正黑體" pitchFamily="34" charset="-120"/>
+              </a:rPr>
+              <a:t>裡</a:t>
+            </a:r>
+            <a:r>
+              <a:rPr lang="zh-TW" altLang="en-US" sz="4800" b="1" dirty="0" smtClean="0">
+                <a:solidFill>
+                  <a:srgbClr val="000066"/>
+                </a:solidFill>
+                <a:latin typeface="微軟正黑體" pitchFamily="34" charset="-120"/>
+                <a:ea typeface="微軟正黑體" pitchFamily="34" charset="-120"/>
+              </a:rPr>
+              <a:t>面</a:t>
+            </a:r>
+            <a:endParaRPr lang="zh-TW" altLang="en-US" sz="4800" b="1" dirty="0">
               <a:solidFill>
                 <a:srgbClr val="000066"/>
               </a:solidFill>
@@ -3613,14 +3681,14 @@
               <a:buNone/>
             </a:pPr>
             <a:r>
-              <a:rPr lang="zh-TW" altLang="en-US" sz="5400" b="1" dirty="0" smtClean="0">
+              <a:rPr lang="zh-TW" altLang="en-US" sz="5400" b="1" dirty="0">
                 <a:solidFill>
                   <a:srgbClr val="000066"/>
                 </a:solidFill>
                 <a:latin typeface="微軟正黑體" pitchFamily="34" charset="-120"/>
                 <a:ea typeface="微軟正黑體" pitchFamily="34" charset="-120"/>
               </a:rPr>
-              <a:t>在乾旱無水之地我渴慕</a:t>
+              <a:t>在乾旱無水之地我渴</a:t>
             </a:r>
             <a:r>
               <a:rPr lang="zh-TW" altLang="en-US" sz="5400" b="1" dirty="0" smtClean="0">
@@ -3630,9 +3698,19 @@
                 <a:latin typeface="微軟正黑體" pitchFamily="34" charset="-120"/>
                 <a:ea typeface="微軟正黑體" pitchFamily="34" charset="-120"/>
               </a:rPr>
-              <a:t>你</a:t>
-            </a:r>
-            <a:endParaRPr lang="en-US" altLang="zh-TW" sz="5400" b="1" dirty="0" smtClean="0">
+              <a:t>慕</a:t>
+            </a:r>
+            <a:r>
+              <a:rPr lang="zh-CN" altLang="en-US" sz="5400" b="1" dirty="0">
+                <a:solidFill>
+                  <a:srgbClr val="000066"/>
+                </a:solidFill>
+                <a:latin typeface="微軟正黑體" pitchFamily="34" charset="-120"/>
+                <a:ea typeface="微軟正黑體" pitchFamily="34" charset="-120"/>
+              </a:rPr>
+              <a:t>袮</a:t>
+            </a:r>
+            <a:endParaRPr lang="en-US" altLang="zh-TW" sz="5400" b="1" dirty="0">
               <a:solidFill>
                 <a:srgbClr val="000066"/>
               </a:solidFill>
@@ -3645,14 +3723,14 @@
               <a:buNone/>
             </a:pPr>
             <a:r>
-              <a:rPr lang="zh-TW" altLang="en-US" sz="5400" b="1" dirty="0" smtClean="0">
+              <a:rPr lang="zh-TW" altLang="en-US" sz="5400" b="1" dirty="0">
                 <a:solidFill>
                   <a:srgbClr val="000066"/>
                 </a:solidFill>
                 <a:latin typeface="微軟正黑體" pitchFamily="34" charset="-120"/>
                 <a:ea typeface="微軟正黑體" pitchFamily="34" charset="-120"/>
               </a:rPr>
-              <a:t>在</a:t>
+              <a:t>在曠野無人之處我尋</a:t>
             </a:r>
             <a:r>
               <a:rPr lang="zh-TW" altLang="en-US" sz="5400" b="1" dirty="0" smtClean="0">
@@ -3662,19 +3740,19 @@
                 <a:latin typeface="微軟正黑體" pitchFamily="34" charset="-120"/>
                 <a:ea typeface="微軟正黑體" pitchFamily="34" charset="-120"/>
               </a:rPr>
-              <a:t>曠野無人之處我尋求</a:t>
-            </a:r>
-            <a:r>
-              <a:rPr lang="zh-TW" altLang="en-US" sz="5400" b="1" dirty="0" smtClean="0">
+              <a:t>求</a:t>
+            </a:r>
+            <a:r>
+              <a:rPr lang="zh-CN" altLang="en-US" sz="5400" b="1" dirty="0">
                 <a:solidFill>
                   <a:srgbClr val="000066"/>
                 </a:solidFill>
                 <a:latin typeface="微軟正黑體" pitchFamily="34" charset="-120"/>
                 <a:ea typeface="微軟正黑體" pitchFamily="34" charset="-120"/>
               </a:rPr>
-              <a:t>你</a:t>
-            </a:r>
-            <a:endParaRPr lang="en-US" altLang="zh-TW" sz="5400" b="1" dirty="0" smtClean="0">
+              <a:t>袮</a:t>
+            </a:r>
+            <a:endParaRPr lang="en-US" altLang="zh-TW" sz="5400" b="1" dirty="0">
               <a:solidFill>
                 <a:srgbClr val="000066"/>
               </a:solidFill>
@@ -3687,36 +3765,16 @@
               <a:buNone/>
             </a:pPr>
             <a:r>
-              <a:rPr lang="zh-TW" altLang="en-US" sz="5400" b="1" dirty="0" smtClean="0">
+              <a:rPr lang="zh-TW" altLang="en-US" sz="5400" b="1" dirty="0">
                 <a:solidFill>
                   <a:srgbClr val="000066"/>
                 </a:solidFill>
                 <a:latin typeface="微軟正黑體" pitchFamily="34" charset="-120"/>
                 <a:ea typeface="微軟正黑體" pitchFamily="34" charset="-120"/>
               </a:rPr>
-              <a:t>得救</a:t>
-            </a:r>
-            <a:r>
-              <a:rPr lang="zh-TW" altLang="en-US" sz="5400" b="1" dirty="0" smtClean="0">
-                <a:solidFill>
-                  <a:srgbClr val="000066"/>
-                </a:solidFill>
-                <a:latin typeface="微軟正黑體" pitchFamily="34" charset="-120"/>
-                <a:ea typeface="微軟正黑體" pitchFamily="34" charset="-120"/>
-              </a:rPr>
-              <a:t>在乎歸回</a:t>
-            </a:r>
-            <a:r>
-              <a:rPr lang="zh-TW" altLang="en-US" sz="5400" b="1" dirty="0" smtClean="0">
-                <a:solidFill>
-                  <a:srgbClr val="000066"/>
-                </a:solidFill>
-                <a:latin typeface="微軟正黑體" pitchFamily="34" charset="-120"/>
-                <a:ea typeface="微軟正黑體" pitchFamily="34" charset="-120"/>
-              </a:rPr>
-              <a:t>安息</a:t>
-            </a:r>
-            <a:endParaRPr lang="en-US" altLang="zh-TW" sz="5400" b="1" dirty="0" smtClean="0">
+              <a:t>得救在乎歸回安息</a:t>
+            </a:r>
+            <a:endParaRPr lang="en-US" altLang="zh-TW" sz="5400" b="1" dirty="0">
               <a:solidFill>
                 <a:srgbClr val="000066"/>
               </a:solidFill>
@@ -3729,36 +3787,16 @@
               <a:buNone/>
             </a:pPr>
             <a:r>
-              <a:rPr lang="zh-TW" altLang="en-US" sz="5400" b="1" dirty="0" smtClean="0">
+              <a:rPr lang="zh-TW" altLang="en-US" sz="5400" b="1" dirty="0">
                 <a:solidFill>
                   <a:srgbClr val="000066"/>
                 </a:solidFill>
                 <a:latin typeface="微軟正黑體" pitchFamily="34" charset="-120"/>
                 <a:ea typeface="微軟正黑體" pitchFamily="34" charset="-120"/>
               </a:rPr>
-              <a:t>得力</a:t>
-            </a:r>
-            <a:r>
-              <a:rPr lang="zh-TW" altLang="en-US" sz="5400" b="1" dirty="0" smtClean="0">
-                <a:solidFill>
-                  <a:srgbClr val="000066"/>
-                </a:solidFill>
-                <a:latin typeface="微軟正黑體" pitchFamily="34" charset="-120"/>
-                <a:ea typeface="微軟正黑體" pitchFamily="34" charset="-120"/>
-              </a:rPr>
-              <a:t>在乎平靜</a:t>
-            </a:r>
-            <a:r>
-              <a:rPr lang="zh-TW" altLang="en-US" sz="5400" b="1" dirty="0" smtClean="0">
-                <a:solidFill>
-                  <a:srgbClr val="000066"/>
-                </a:solidFill>
-                <a:latin typeface="微軟正黑體" pitchFamily="34" charset="-120"/>
-                <a:ea typeface="微軟正黑體" pitchFamily="34" charset="-120"/>
-              </a:rPr>
-              <a:t>安穩</a:t>
-            </a:r>
-            <a:endParaRPr lang="en-US" altLang="zh-TW" sz="5400" b="1" dirty="0" smtClean="0">
+              <a:t>得力在乎平靜安穩</a:t>
+            </a:r>
+            <a:endParaRPr lang="en-US" altLang="zh-TW" sz="5400" b="1" dirty="0">
               <a:solidFill>
                 <a:srgbClr val="000066"/>
               </a:solidFill>
@@ -3771,14 +3809,14 @@
               <a:buNone/>
             </a:pPr>
             <a:r>
-              <a:rPr lang="zh-TW" altLang="en-US" sz="5400" b="1" dirty="0" smtClean="0">
+              <a:rPr lang="zh-TW" altLang="en-US" sz="5400" b="1" dirty="0">
                 <a:solidFill>
                   <a:srgbClr val="000066"/>
                 </a:solidFill>
                 <a:latin typeface="微軟正黑體" pitchFamily="34" charset="-120"/>
                 <a:ea typeface="微軟正黑體" pitchFamily="34" charset="-120"/>
               </a:rPr>
-              <a:t>我</a:t>
+              <a:t>我等</a:t>
             </a:r>
             <a:r>
               <a:rPr lang="zh-TW" altLang="en-US" sz="5400" b="1" dirty="0" smtClean="0">
@@ -3788,20 +3826,30 @@
                 <a:latin typeface="微軟正黑體" pitchFamily="34" charset="-120"/>
                 <a:ea typeface="微軟正黑體" pitchFamily="34" charset="-120"/>
               </a:rPr>
-              <a:t>等候</a:t>
-            </a:r>
-            <a:r>
-              <a:rPr lang="zh-TW" altLang="en-US" sz="5400" b="1" dirty="0" smtClean="0">
+              <a:t>候</a:t>
+            </a:r>
+            <a:r>
+              <a:rPr lang="zh-CN" altLang="en-US" sz="5400" b="1" dirty="0" smtClean="0">
                 <a:solidFill>
                   <a:srgbClr val="000066"/>
                 </a:solidFill>
                 <a:latin typeface="微軟正黑體" pitchFamily="34" charset="-120"/>
                 <a:ea typeface="微軟正黑體" pitchFamily="34" charset="-120"/>
               </a:rPr>
-              <a:t>你  如</a:t>
+              <a:t>袮  </a:t>
             </a:r>
             <a:r>
               <a:rPr lang="zh-TW" altLang="en-US" sz="5400" b="1" dirty="0" smtClean="0">
+                <a:solidFill>
+                  <a:srgbClr val="000066"/>
+                </a:solidFill>
+                <a:latin typeface="微軟正黑體" pitchFamily="34" charset="-120"/>
+                <a:ea typeface="微軟正黑體" pitchFamily="34" charset="-120"/>
+              </a:rPr>
+              <a:t>如</a:t>
+            </a:r>
+            <a:r>
+              <a:rPr lang="zh-TW" altLang="en-US" sz="5400" b="1" dirty="0">
                 <a:solidFill>
                   <a:srgbClr val="000066"/>
                 </a:solidFill>
@@ -3857,20 +3905,62 @@
         </p:nvSpPr>
         <p:spPr/>
         <p:txBody>
-          <a:bodyPr/>
-          <a:lstStyle/>
-          <a:p>
-            <a:r>
-              <a:rPr lang="zh-TW" altLang="en-US" b="1" dirty="0" smtClean="0">
+          <a:bodyPr>
+            <a:normAutofit/>
+          </a:bodyPr>
+          <a:lstStyle/>
+          <a:p>
+            <a:r>
+              <a:rPr lang="zh-TW" altLang="en-US" sz="4800" b="1" dirty="0" smtClean="0">
                 <a:solidFill>
                   <a:srgbClr val="000066"/>
                 </a:solidFill>
                 <a:latin typeface="微軟正黑體" pitchFamily="34" charset="-120"/>
                 <a:ea typeface="微軟正黑體" pitchFamily="34" charset="-120"/>
               </a:rPr>
-              <a:t>住在你裡面</a:t>
-            </a:r>
-            <a:endParaRPr lang="zh-TW" altLang="en-US" b="1" dirty="0">
+              <a:t>住</a:t>
+            </a:r>
+            <a:r>
+              <a:rPr lang="zh-TW" altLang="en-US" sz="4800" b="1" dirty="0" smtClean="0">
+                <a:solidFill>
+                  <a:srgbClr val="000066"/>
+                </a:solidFill>
+                <a:latin typeface="微軟正黑體" pitchFamily="34" charset="-120"/>
+                <a:ea typeface="微軟正黑體" pitchFamily="34" charset="-120"/>
+              </a:rPr>
+              <a:t>在</a:t>
+            </a:r>
+            <a:r>
+              <a:rPr lang="zh-CN" altLang="en-US" sz="4800" b="1" dirty="0">
+                <a:solidFill>
+                  <a:srgbClr val="000066"/>
+                </a:solidFill>
+                <a:latin typeface="微軟正黑體" pitchFamily="34" charset="-120"/>
+                <a:ea typeface="微軟正黑體" pitchFamily="34" charset="-120"/>
+              </a:rPr>
+              <a:t>袮</a:t>
+            </a:r>
+            <a:r>
+              <a:rPr lang="zh-TW" altLang="en-US" sz="4800" b="1" dirty="0" smtClean="0">
+                <a:solidFill>
+                  <a:srgbClr val="000066"/>
+                </a:solidFill>
+                <a:latin typeface="微軟正黑體" pitchFamily="34" charset="-120"/>
+                <a:ea typeface="微軟正黑體" pitchFamily="34" charset="-120"/>
+              </a:rPr>
+              <a:t>裡</a:t>
+            </a:r>
+            <a:r>
+              <a:rPr lang="zh-TW" altLang="en-US" sz="4800" b="1" dirty="0" smtClean="0">
+                <a:solidFill>
+                  <a:srgbClr val="000066"/>
+                </a:solidFill>
+                <a:latin typeface="微軟正黑體" pitchFamily="34" charset="-120"/>
+                <a:ea typeface="微軟正黑體" pitchFamily="34" charset="-120"/>
+              </a:rPr>
+              <a:t>面</a:t>
+            </a:r>
+            <a:endParaRPr lang="zh-TW" altLang="en-US" sz="4800" b="1" dirty="0">
               <a:solidFill>
                 <a:srgbClr val="000066"/>
               </a:solidFill>
@@ -3892,7 +3982,7 @@
         </p:nvSpPr>
         <p:spPr>
           <a:xfrm>
-            <a:off x="0" y="1600200"/>
+            <a:off x="1524000" y="1600201"/>
             <a:ext cx="9144000" cy="4525963"/>
           </a:xfrm>
         </p:spPr>
@@ -3906,16 +3996,96 @@
               <a:buNone/>
             </a:pPr>
             <a:r>
-              <a:rPr lang="zh-TW" altLang="en-US" sz="5400" b="1" dirty="0" smtClean="0">
+              <a:rPr lang="zh-TW" altLang="en-US" sz="5400" b="1" dirty="0">
                 <a:solidFill>
                   <a:srgbClr val="000066"/>
                 </a:solidFill>
                 <a:latin typeface="微軟正黑體" pitchFamily="34" charset="-120"/>
                 <a:ea typeface="微軟正黑體" pitchFamily="34" charset="-120"/>
               </a:rPr>
-              <a:t>住在你裡面  住在你裡面</a:t>
-            </a:r>
-            <a:endParaRPr lang="en-US" altLang="zh-TW" sz="5400" b="1" dirty="0" smtClean="0">
+              <a:t>住</a:t>
+            </a:r>
+            <a:r>
+              <a:rPr lang="zh-TW" altLang="en-US" sz="5400" b="1" dirty="0" smtClean="0">
+                <a:solidFill>
+                  <a:srgbClr val="000066"/>
+                </a:solidFill>
+                <a:latin typeface="微軟正黑體" pitchFamily="34" charset="-120"/>
+                <a:ea typeface="微軟正黑體" pitchFamily="34" charset="-120"/>
+              </a:rPr>
+              <a:t>在</a:t>
+            </a:r>
+            <a:r>
+              <a:rPr lang="zh-CN" altLang="en-US" sz="5400" b="1" dirty="0">
+                <a:solidFill>
+                  <a:srgbClr val="000066"/>
+                </a:solidFill>
+                <a:latin typeface="微軟正黑體" pitchFamily="34" charset="-120"/>
+                <a:ea typeface="微軟正黑體" pitchFamily="34" charset="-120"/>
+              </a:rPr>
+              <a:t>袮</a:t>
+            </a:r>
+            <a:r>
+              <a:rPr lang="zh-TW" altLang="en-US" sz="5400" b="1" dirty="0" smtClean="0">
+                <a:solidFill>
+                  <a:srgbClr val="000066"/>
+                </a:solidFill>
+                <a:latin typeface="微軟正黑體" pitchFamily="34" charset="-120"/>
+                <a:ea typeface="微軟正黑體" pitchFamily="34" charset="-120"/>
+              </a:rPr>
+              <a:t>裡</a:t>
+            </a:r>
+            <a:r>
+              <a:rPr lang="zh-TW" altLang="en-US" sz="5400" b="1" dirty="0">
+                <a:solidFill>
+                  <a:srgbClr val="000066"/>
+                </a:solidFill>
+                <a:latin typeface="微軟正黑體" pitchFamily="34" charset="-120"/>
+                <a:ea typeface="微軟正黑體" pitchFamily="34" charset="-120"/>
+              </a:rPr>
+              <a:t>面  住</a:t>
+            </a:r>
+            <a:r>
+              <a:rPr lang="zh-TW" altLang="en-US" sz="5400" b="1" dirty="0" smtClean="0">
+                <a:solidFill>
+                  <a:srgbClr val="000066"/>
+                </a:solidFill>
+                <a:latin typeface="微軟正黑體" pitchFamily="34" charset="-120"/>
+                <a:ea typeface="微軟正黑體" pitchFamily="34" charset="-120"/>
+              </a:rPr>
+              <a:t>在</a:t>
+            </a:r>
+            <a:r>
+              <a:rPr lang="zh-CN" altLang="en-US" sz="5400" b="1" dirty="0">
+                <a:solidFill>
+                  <a:srgbClr val="000066"/>
+                </a:solidFill>
+                <a:latin typeface="微軟正黑體" pitchFamily="34" charset="-120"/>
+                <a:ea typeface="微軟正黑體" pitchFamily="34" charset="-120"/>
+              </a:rPr>
+              <a:t>袮</a:t>
+            </a:r>
+            <a:r>
+              <a:rPr lang="zh-TW" altLang="en-US" sz="5400" b="1" dirty="0" smtClean="0">
+                <a:solidFill>
+                  <a:srgbClr val="000066"/>
+                </a:solidFill>
+                <a:latin typeface="微軟正黑體" pitchFamily="34" charset="-120"/>
+                <a:ea typeface="微軟正黑體" pitchFamily="34" charset="-120"/>
+              </a:rPr>
+              <a:t>裡</a:t>
+            </a:r>
+            <a:r>
+              <a:rPr lang="zh-TW" altLang="en-US" sz="5400" b="1" dirty="0">
+                <a:solidFill>
+                  <a:srgbClr val="000066"/>
+                </a:solidFill>
+                <a:latin typeface="微軟正黑體" pitchFamily="34" charset="-120"/>
+                <a:ea typeface="微軟正黑體" pitchFamily="34" charset="-120"/>
+              </a:rPr>
+              <a:t>面</a:t>
+            </a:r>
+            <a:endParaRPr lang="en-US" altLang="zh-TW" sz="5400" b="1" dirty="0">
               <a:solidFill>
                 <a:srgbClr val="000066"/>
               </a:solidFill>
@@ -3928,7 +4098,7 @@
               <a:buNone/>
             </a:pPr>
             <a:r>
-              <a:rPr lang="zh-TW" altLang="en-US" sz="5400" b="1" dirty="0" smtClean="0">
+              <a:rPr lang="zh-TW" altLang="en-US" sz="5400" b="1" dirty="0">
                 <a:solidFill>
                   <a:srgbClr val="000066"/>
                 </a:solidFill>
@@ -3937,7 +4107,7 @@
               </a:rPr>
               <a:t>如同枝子與葡萄樹緊緊相連</a:t>
             </a:r>
-            <a:endParaRPr lang="en-US" altLang="zh-TW" sz="5400" b="1" dirty="0" smtClean="0">
+            <a:endParaRPr lang="en-US" altLang="zh-TW" sz="5400" b="1" dirty="0">
               <a:solidFill>
                 <a:srgbClr val="000066"/>
               </a:solidFill>
@@ -3950,16 +4120,96 @@
               <a:buNone/>
             </a:pPr>
             <a:r>
-              <a:rPr lang="zh-TW" altLang="en-US" sz="5400" b="1" dirty="0" smtClean="0">
+              <a:rPr lang="zh-TW" altLang="en-US" sz="5400" b="1" dirty="0">
                 <a:solidFill>
                   <a:srgbClr val="000066"/>
                 </a:solidFill>
                 <a:latin typeface="微軟正黑體" pitchFamily="34" charset="-120"/>
                 <a:ea typeface="微軟正黑體" pitchFamily="34" charset="-120"/>
               </a:rPr>
-              <a:t>住在你裡面  住在你裡面</a:t>
-            </a:r>
-            <a:endParaRPr lang="en-US" altLang="zh-TW" sz="5400" b="1" dirty="0" smtClean="0">
+              <a:t>住</a:t>
+            </a:r>
+            <a:r>
+              <a:rPr lang="zh-TW" altLang="en-US" sz="5400" b="1" dirty="0" smtClean="0">
+                <a:solidFill>
+                  <a:srgbClr val="000066"/>
+                </a:solidFill>
+                <a:latin typeface="微軟正黑體" pitchFamily="34" charset="-120"/>
+                <a:ea typeface="微軟正黑體" pitchFamily="34" charset="-120"/>
+              </a:rPr>
+              <a:t>在</a:t>
+            </a:r>
+            <a:r>
+              <a:rPr lang="zh-CN" altLang="en-US" sz="5400" b="1" dirty="0">
+                <a:solidFill>
+                  <a:srgbClr val="000066"/>
+                </a:solidFill>
+                <a:latin typeface="微軟正黑體" pitchFamily="34" charset="-120"/>
+                <a:ea typeface="微軟正黑體" pitchFamily="34" charset="-120"/>
+              </a:rPr>
+              <a:t>袮</a:t>
+            </a:r>
+            <a:r>
+              <a:rPr lang="zh-TW" altLang="en-US" sz="5400" b="1" dirty="0" smtClean="0">
+                <a:solidFill>
+                  <a:srgbClr val="000066"/>
+                </a:solidFill>
+                <a:latin typeface="微軟正黑體" pitchFamily="34" charset="-120"/>
+                <a:ea typeface="微軟正黑體" pitchFamily="34" charset="-120"/>
+              </a:rPr>
+              <a:t>裡</a:t>
+            </a:r>
+            <a:r>
+              <a:rPr lang="zh-TW" altLang="en-US" sz="5400" b="1" dirty="0">
+                <a:solidFill>
+                  <a:srgbClr val="000066"/>
+                </a:solidFill>
+                <a:latin typeface="微軟正黑體" pitchFamily="34" charset="-120"/>
+                <a:ea typeface="微軟正黑體" pitchFamily="34" charset="-120"/>
+              </a:rPr>
+              <a:t>面  住</a:t>
+            </a:r>
+            <a:r>
+              <a:rPr lang="zh-TW" altLang="en-US" sz="5400" b="1" dirty="0" smtClean="0">
+                <a:solidFill>
+                  <a:srgbClr val="000066"/>
+                </a:solidFill>
+                <a:latin typeface="微軟正黑體" pitchFamily="34" charset="-120"/>
+                <a:ea typeface="微軟正黑體" pitchFamily="34" charset="-120"/>
+              </a:rPr>
+              <a:t>在</a:t>
+            </a:r>
+            <a:r>
+              <a:rPr lang="zh-CN" altLang="en-US" sz="5400" b="1" dirty="0">
+                <a:solidFill>
+                  <a:srgbClr val="000066"/>
+                </a:solidFill>
+                <a:latin typeface="微軟正黑體" pitchFamily="34" charset="-120"/>
+                <a:ea typeface="微軟正黑體" pitchFamily="34" charset="-120"/>
+              </a:rPr>
+              <a:t>袮</a:t>
+            </a:r>
+            <a:r>
+              <a:rPr lang="zh-TW" altLang="en-US" sz="5400" b="1" dirty="0" smtClean="0">
+                <a:solidFill>
+                  <a:srgbClr val="000066"/>
+                </a:solidFill>
+                <a:latin typeface="微軟正黑體" pitchFamily="34" charset="-120"/>
+                <a:ea typeface="微軟正黑體" pitchFamily="34" charset="-120"/>
+              </a:rPr>
+              <a:t>裡</a:t>
+            </a:r>
+            <a:r>
+              <a:rPr lang="zh-TW" altLang="en-US" sz="5400" b="1" dirty="0">
+                <a:solidFill>
+                  <a:srgbClr val="000066"/>
+                </a:solidFill>
+                <a:latin typeface="微軟正黑體" pitchFamily="34" charset="-120"/>
+                <a:ea typeface="微軟正黑體" pitchFamily="34" charset="-120"/>
+              </a:rPr>
+              <a:t>面</a:t>
+            </a:r>
+            <a:endParaRPr lang="en-US" altLang="zh-TW" sz="5400" b="1" dirty="0">
               <a:solidFill>
                 <a:srgbClr val="000066"/>
               </a:solidFill>
@@ -3972,7 +4222,7 @@
               <a:buNone/>
             </a:pPr>
             <a:r>
-              <a:rPr lang="zh-TW" altLang="en-US" sz="5400" b="1" dirty="0" smtClean="0">
+              <a:rPr lang="zh-TW" altLang="en-US" sz="5400" b="1" dirty="0">
                 <a:solidFill>
                   <a:srgbClr val="000066"/>
                 </a:solidFill>
